--- a/Output/Project week 2.pptx
+++ b/Output/Project week 2.pptx
@@ -1067,18 +1067,10 @@
             <a:defRPr b="1"/>
           </a:pPr>
           <a:r>
-            <a:rPr lang="en-AU" sz="1800" b="1" dirty="0"/>
-            <a:t>Steps for data clean</a:t>
+            <a:rPr lang="en-AU" sz="2400" b="1" dirty="0"/>
+            <a:t>Steps for data cleaning</a:t>
           </a:r>
-          <a:r>
-            <a:rPr lang="en-AU" sz="2400" b="1" dirty="0"/>
-            <a:t>i</a:t>
-          </a:r>
-          <a:r>
-            <a:rPr lang="en-AU" sz="1800" b="1" dirty="0"/>
-            <a:t>ng:</a:t>
-          </a:r>
-          <a:endParaRPr lang="en-US" sz="1800" dirty="0"/>
+          <a:endParaRPr lang="en-US" sz="2400" dirty="0"/>
         </a:p>
       </dgm:t>
     </dgm:pt>
@@ -1497,7 +1489,7 @@
       <dgm:spPr/>
     </dgm:pt>
     <dgm:pt modelId="{12818F8F-503D-46BF-B401-BB341B1B252E}" type="pres">
-      <dgm:prSet presAssocID="{F86D5253-6449-49A6-AF8B-B356BA856243}" presName="iconRect" presStyleLbl="node1" presStyleIdx="0" presStyleCnt="4"/>
+      <dgm:prSet presAssocID="{F86D5253-6449-49A6-AF8B-B356BA856243}" presName="iconRect" presStyleLbl="node1" presStyleIdx="0" presStyleCnt="4" custLinFactNeighborX="-7604" custLinFactNeighborY="46071"/>
       <dgm:spPr>
         <a:blipFill>
           <a:blip xmlns:r="http://schemas.openxmlformats.org/officeDocument/2006/relationships" r:embed="rId1">
@@ -1529,7 +1521,7 @@
       <dgm:spPr/>
     </dgm:pt>
     <dgm:pt modelId="{85BA182D-27F7-4A6E-BE54-B3C6CB5C2678}" type="pres">
-      <dgm:prSet presAssocID="{F86D5253-6449-49A6-AF8B-B356BA856243}" presName="parTx" presStyleLbl="revTx" presStyleIdx="0" presStyleCnt="8">
+      <dgm:prSet presAssocID="{F86D5253-6449-49A6-AF8B-B356BA856243}" presName="parTx" presStyleLbl="revTx" presStyleIdx="0" presStyleCnt="8" custLinFactNeighborX="-969" custLinFactNeighborY="66153">
         <dgm:presLayoutVars>
           <dgm:chMax val="0"/>
           <dgm:chPref val="0"/>
@@ -1803,7 +1795,7 @@
       </dsp:nvSpPr>
       <dsp:spPr>
         <a:xfrm>
-          <a:off x="699652" y="818473"/>
+          <a:off x="642503" y="1125633"/>
           <a:ext cx="751570" cy="751570"/>
         </a:xfrm>
         <a:prstGeom prst="rect">
@@ -1852,8 +1844,8 @@
       </dsp:nvSpPr>
       <dsp:spPr>
         <a:xfrm>
-          <a:off x="1765" y="1672632"/>
-          <a:ext cx="2147343" cy="523415"/>
+          <a:off x="0" y="2036423"/>
+          <a:ext cx="2147343" cy="603940"/>
         </a:xfrm>
         <a:prstGeom prst="rect">
           <a:avLst/>
@@ -1882,7 +1874,7 @@
         </a:bodyPr>
         <a:lstStyle/>
         <a:p>
-          <a:pPr marL="0" lvl="0" indent="0" algn="ctr" defTabSz="800100">
+          <a:pPr marL="0" lvl="0" indent="0" algn="ctr" defTabSz="1066800">
             <a:lnSpc>
               <a:spcPct val="90000"/>
             </a:lnSpc>
@@ -1896,23 +1888,15 @@
             <a:defRPr b="1"/>
           </a:pPr>
           <a:r>
-            <a:rPr lang="en-AU" sz="1800" b="1" kern="1200" dirty="0"/>
-            <a:t>Steps for data clean</a:t>
+            <a:rPr lang="en-AU" sz="2400" b="1" kern="1200" dirty="0"/>
+            <a:t>Steps for data cleaning</a:t>
           </a:r>
-          <a:r>
-            <a:rPr lang="en-AU" sz="2400" b="1" kern="1200" dirty="0"/>
-            <a:t>i</a:t>
-          </a:r>
-          <a:r>
-            <a:rPr lang="en-AU" sz="1800" b="1" kern="1200" dirty="0"/>
-            <a:t>ng:</a:t>
-          </a:r>
-          <a:endParaRPr lang="en-US" sz="1800" kern="1200" dirty="0"/>
+          <a:endParaRPr lang="en-US" sz="2400" kern="1200" dirty="0"/>
         </a:p>
       </dsp:txBody>
       <dsp:txXfrm>
-        <a:off x="1765" y="1672632"/>
-        <a:ext cx="2147343" cy="523415"/>
+        <a:off x="0" y="2036423"/>
+        <a:ext cx="2147343" cy="603940"/>
       </dsp:txXfrm>
     </dsp:sp>
     <dsp:sp modelId="{1637B9A3-240B-4972-A7AD-2CF9C18E67D7}">
@@ -1922,8 +1906,8 @@
       </dsp:nvSpPr>
       <dsp:spPr>
         <a:xfrm>
-          <a:off x="1765" y="2243763"/>
-          <a:ext cx="2147343" cy="960487"/>
+          <a:off x="1765" y="2290118"/>
+          <a:ext cx="2147343" cy="953228"/>
         </a:xfrm>
         <a:prstGeom prst="rect">
           <a:avLst/>
@@ -1954,7 +1938,7 @@
       </dsp:nvSpPr>
       <dsp:spPr>
         <a:xfrm>
-          <a:off x="3222781" y="818473"/>
+          <a:off x="3222781" y="779377"/>
           <a:ext cx="751570" cy="751570"/>
         </a:xfrm>
         <a:prstGeom prst="rect">
@@ -2003,8 +1987,8 @@
       </dsp:nvSpPr>
       <dsp:spPr>
         <a:xfrm>
-          <a:off x="2524894" y="1672632"/>
-          <a:ext cx="2147343" cy="523415"/>
+          <a:off x="2524894" y="1636898"/>
+          <a:ext cx="2147343" cy="603940"/>
         </a:xfrm>
         <a:prstGeom prst="rect">
           <a:avLst/>
@@ -2054,8 +2038,8 @@
         </a:p>
       </dsp:txBody>
       <dsp:txXfrm>
-        <a:off x="2524894" y="1672632"/>
-        <a:ext cx="2147343" cy="523415"/>
+        <a:off x="2524894" y="1636898"/>
+        <a:ext cx="2147343" cy="603940"/>
       </dsp:txXfrm>
     </dsp:sp>
     <dsp:sp modelId="{532192D5-3481-4ADF-99A8-B650A5364980}">
@@ -2065,8 +2049,8 @@
       </dsp:nvSpPr>
       <dsp:spPr>
         <a:xfrm>
-          <a:off x="2524894" y="2243763"/>
-          <a:ext cx="2147343" cy="960487"/>
+          <a:off x="2524894" y="2290118"/>
+          <a:ext cx="2147343" cy="953228"/>
         </a:xfrm>
         <a:prstGeom prst="rect">
           <a:avLst/>
@@ -2134,8 +2118,8 @@
         </a:p>
       </dsp:txBody>
       <dsp:txXfrm>
-        <a:off x="2524894" y="2243763"/>
-        <a:ext cx="2147343" cy="960487"/>
+        <a:off x="2524894" y="2290118"/>
+        <a:ext cx="2147343" cy="953228"/>
       </dsp:txXfrm>
     </dsp:sp>
     <dsp:sp modelId="{4875BDEB-51E3-4A3D-A5C7-F3A88DC9550B}">
@@ -2145,7 +2129,7 @@
       </dsp:nvSpPr>
       <dsp:spPr>
         <a:xfrm>
-          <a:off x="5745910" y="818473"/>
+          <a:off x="5745910" y="779377"/>
           <a:ext cx="751570" cy="751570"/>
         </a:xfrm>
         <a:prstGeom prst="rect">
@@ -2195,8 +2179,8 @@
       </dsp:nvSpPr>
       <dsp:spPr>
         <a:xfrm>
-          <a:off x="5048023" y="1672632"/>
-          <a:ext cx="2147343" cy="523415"/>
+          <a:off x="5048023" y="1636898"/>
+          <a:ext cx="2147343" cy="603940"/>
         </a:xfrm>
         <a:prstGeom prst="rect">
           <a:avLst/>
@@ -2246,8 +2230,8 @@
         </a:p>
       </dsp:txBody>
       <dsp:txXfrm>
-        <a:off x="5048023" y="1672632"/>
-        <a:ext cx="2147343" cy="523415"/>
+        <a:off x="5048023" y="1636898"/>
+        <a:ext cx="2147343" cy="603940"/>
       </dsp:txXfrm>
     </dsp:sp>
     <dsp:sp modelId="{D0B09909-DD6A-4E55-B228-A1C1F909B22A}">
@@ -2257,8 +2241,8 @@
       </dsp:nvSpPr>
       <dsp:spPr>
         <a:xfrm>
-          <a:off x="5048023" y="2243763"/>
-          <a:ext cx="2147343" cy="960487"/>
+          <a:off x="5048023" y="2290118"/>
+          <a:ext cx="2147343" cy="953228"/>
         </a:xfrm>
         <a:prstGeom prst="rect">
           <a:avLst/>
@@ -2345,8 +2329,8 @@
         </a:p>
       </dsp:txBody>
       <dsp:txXfrm>
-        <a:off x="5048023" y="2243763"/>
-        <a:ext cx="2147343" cy="960487"/>
+        <a:off x="5048023" y="2290118"/>
+        <a:ext cx="2147343" cy="953228"/>
       </dsp:txXfrm>
     </dsp:sp>
     <dsp:sp modelId="{D2C320DD-A0E8-441A-A38A-6C6DCEDCAFF2}">
@@ -2356,7 +2340,7 @@
       </dsp:nvSpPr>
       <dsp:spPr>
         <a:xfrm>
-          <a:off x="8269039" y="818473"/>
+          <a:off x="8269039" y="779377"/>
           <a:ext cx="751570" cy="751570"/>
         </a:xfrm>
         <a:prstGeom prst="rect">
@@ -2405,8 +2389,8 @@
       </dsp:nvSpPr>
       <dsp:spPr>
         <a:xfrm>
-          <a:off x="7571152" y="1672632"/>
-          <a:ext cx="2147343" cy="523415"/>
+          <a:off x="7571152" y="1636898"/>
+          <a:ext cx="2147343" cy="603940"/>
         </a:xfrm>
         <a:prstGeom prst="rect">
           <a:avLst/>
@@ -2456,8 +2440,8 @@
         </a:p>
       </dsp:txBody>
       <dsp:txXfrm>
-        <a:off x="7571152" y="1672632"/>
-        <a:ext cx="2147343" cy="523415"/>
+        <a:off x="7571152" y="1636898"/>
+        <a:ext cx="2147343" cy="603940"/>
       </dsp:txXfrm>
     </dsp:sp>
     <dsp:sp modelId="{2D963678-8A9B-46E3-AD0E-AE62D70C33CF}">
@@ -2467,8 +2451,8 @@
       </dsp:nvSpPr>
       <dsp:spPr>
         <a:xfrm>
-          <a:off x="7571152" y="2243763"/>
-          <a:ext cx="2147343" cy="960487"/>
+          <a:off x="7571152" y="2290118"/>
+          <a:ext cx="2147343" cy="953228"/>
         </a:xfrm>
         <a:prstGeom prst="rect">
           <a:avLst/>
@@ -2536,8 +2520,8 @@
         </a:p>
       </dsp:txBody>
       <dsp:txXfrm>
-        <a:off x="7571152" y="2243763"/>
-        <a:ext cx="2147343" cy="960487"/>
+        <a:off x="7571152" y="2290118"/>
+        <a:ext cx="2147343" cy="953228"/>
       </dsp:txXfrm>
     </dsp:sp>
   </dsp:spTree>
@@ -25333,7 +25317,7 @@
           <a:p>
             <a:pPr algn="r"/>
             <a:r>
-              <a:rPr lang="fr-FR">
+              <a:rPr lang="fr-FR" dirty="0">
                 <a:solidFill>
                   <a:srgbClr val="FFFFFF"/>
                 </a:solidFill>
@@ -25361,8 +25345,8 @@
         </p:nvSpPr>
         <p:spPr>
           <a:xfrm>
-            <a:off x="4951048" y="804333"/>
-            <a:ext cx="6306003" cy="5249334"/>
+            <a:off x="6258560" y="794173"/>
+            <a:ext cx="4998491" cy="5249334"/>
           </a:xfrm>
         </p:spPr>
         <p:txBody>
@@ -25380,21 +25364,41 @@
             </a:r>
           </a:p>
           <a:p>
+            <a:pPr>
+              <a:buFont typeface="Arial" panose="020B0604020202020204" pitchFamily="34" charset="0"/>
+              <a:buChar char="•"/>
+            </a:pPr>
             <a:r>
               <a:rPr lang="en-AU" dirty="0"/>
-              <a:t>Understanding the data within the file</a:t>
+              <a:t> Understanding the data within the file</a:t>
             </a:r>
           </a:p>
           <a:p>
+            <a:pPr>
+              <a:buFont typeface="Arial" panose="020B0604020202020204" pitchFamily="34" charset="0"/>
+              <a:buChar char="•"/>
+            </a:pPr>
             <a:r>
               <a:rPr lang="en-AU" dirty="0"/>
-              <a:t>Choosing the right columns/data to work with to answer the problem</a:t>
+              <a:t> Choosing the right columns/data to work with to answer the problem</a:t>
             </a:r>
           </a:p>
           <a:p>
+            <a:pPr>
+              <a:buFont typeface="Arial" panose="020B0604020202020204" pitchFamily="34" charset="0"/>
+              <a:buChar char="•"/>
+            </a:pPr>
             <a:r>
               <a:rPr lang="en-AU" dirty="0"/>
-              <a:t>Simplifying some code</a:t>
+              <a:t> Simplifying some code from </a:t>
+            </a:r>
+            <a:r>
+              <a:rPr lang="en-AU" dirty="0" err="1"/>
+              <a:t>Jupyter</a:t>
+            </a:r>
+            <a:r>
+              <a:rPr lang="en-AU" dirty="0"/>
+              <a:t> to Spyder</a:t>
             </a:r>
           </a:p>
           <a:p>
@@ -25410,15 +25414,23 @@
             </a:r>
           </a:p>
           <a:p>
+            <a:pPr>
+              <a:buFont typeface="Arial" panose="020B0604020202020204" pitchFamily="34" charset="0"/>
+              <a:buChar char="•"/>
+            </a:pPr>
             <a:r>
               <a:rPr lang="en-AU" dirty="0"/>
-              <a:t>Learning how to clean new data</a:t>
+              <a:t> Learning how to clean new data</a:t>
             </a:r>
           </a:p>
           <a:p>
+            <a:pPr>
+              <a:buFont typeface="Arial" panose="020B0604020202020204" pitchFamily="34" charset="0"/>
+              <a:buChar char="•"/>
+            </a:pPr>
             <a:r>
               <a:rPr lang="en-AU" dirty="0"/>
-              <a:t>Using plots (defining type of plot, </a:t>
+              <a:t> Using plots (defining type of plot, </a:t>
             </a:r>
             <a:r>
               <a:rPr lang="en-AU" dirty="0" err="1"/>
@@ -25434,6 +25446,78 @@
           </a:p>
         </p:txBody>
       </p:sp>
+      <p:pic>
+        <p:nvPicPr>
+          <p:cNvPr id="5" name="Graphique 4" descr="Irritant">
+            <a:extLst>
+              <a:ext uri="{FF2B5EF4-FFF2-40B4-BE49-F238E27FC236}">
+                <a16:creationId xmlns:a16="http://schemas.microsoft.com/office/drawing/2014/main" id="{4B0057AB-2178-4DBC-A3E9-2C1C14F370FA}"/>
+              </a:ext>
+            </a:extLst>
+          </p:cNvPr>
+          <p:cNvPicPr>
+            <a:picLocks noChangeAspect="1"/>
+          </p:cNvPicPr>
+          <p:nvPr/>
+        </p:nvPicPr>
+        <p:blipFill>
+          <a:blip r:embed="rId2">
+            <a:extLst>
+              <a:ext uri="{96DAC541-7B7A-43D3-8B79-37D633B846F1}">
+                <asvg:svgBlip xmlns:asvg="http://schemas.microsoft.com/office/drawing/2016/SVG/main" r:embed="rId3"/>
+              </a:ext>
+            </a:extLst>
+          </a:blip>
+          <a:stretch>
+            <a:fillRect/>
+          </a:stretch>
+        </p:blipFill>
+        <p:spPr>
+          <a:xfrm>
+            <a:off x="4990198" y="1595438"/>
+            <a:ext cx="914400" cy="914400"/>
+          </a:xfrm>
+          <a:prstGeom prst="rect">
+            <a:avLst/>
+          </a:prstGeom>
+        </p:spPr>
+      </p:pic>
+      <p:pic>
+        <p:nvPicPr>
+          <p:cNvPr id="9" name="Graphique 8" descr="Classroom">
+            <a:extLst>
+              <a:ext uri="{FF2B5EF4-FFF2-40B4-BE49-F238E27FC236}">
+                <a16:creationId xmlns:a16="http://schemas.microsoft.com/office/drawing/2014/main" id="{E57DC90F-E162-4C46-838E-6760882B5777}"/>
+              </a:ext>
+            </a:extLst>
+          </p:cNvPr>
+          <p:cNvPicPr>
+            <a:picLocks noChangeAspect="1"/>
+          </p:cNvPicPr>
+          <p:nvPr/>
+        </p:nvPicPr>
+        <p:blipFill>
+          <a:blip r:embed="rId4">
+            <a:extLst>
+              <a:ext uri="{96DAC541-7B7A-43D3-8B79-37D633B846F1}">
+                <asvg:svgBlip xmlns:asvg="http://schemas.microsoft.com/office/drawing/2016/SVG/main" r:embed="rId5"/>
+              </a:ext>
+            </a:extLst>
+          </a:blip>
+          <a:stretch>
+            <a:fillRect/>
+          </a:stretch>
+        </p:blipFill>
+        <p:spPr>
+          <a:xfrm>
+            <a:off x="4962692" y="4105276"/>
+            <a:ext cx="914400" cy="914400"/>
+          </a:xfrm>
+          <a:prstGeom prst="rect">
+            <a:avLst/>
+          </a:prstGeom>
+        </p:spPr>
+      </p:pic>
     </p:spTree>
     <p:extLst>
       <p:ext uri="{BB962C8B-B14F-4D97-AF65-F5344CB8AC3E}">
@@ -25450,6 +25534,14 @@
 <file path=ppt/slides/slide2.xml><?xml version="1.0" encoding="utf-8"?>
 <p:sld xmlns:a="http://schemas.openxmlformats.org/drawingml/2006/main" xmlns:r="http://schemas.openxmlformats.org/officeDocument/2006/relationships" xmlns:p="http://schemas.openxmlformats.org/presentationml/2006/main">
   <p:cSld>
+    <p:bg>
+      <p:bgPr>
+        <a:solidFill>
+          <a:schemeClr val="bg1"/>
+        </a:solidFill>
+        <a:effectLst/>
+      </p:bgPr>
+    </p:bg>
     <p:spTree>
       <p:nvGrpSpPr>
         <p:cNvPr id="1" name=""/>
@@ -25464,6 +25556,178 @@
           <a:chExt cx="0" cy="0"/>
         </a:xfrm>
       </p:grpSpPr>
+      <p:cxnSp>
+        <p:nvCxnSpPr>
+          <p:cNvPr id="19" name="Straight Connector 8">
+            <a:extLst>
+              <a:ext uri="{FF2B5EF4-FFF2-40B4-BE49-F238E27FC236}">
+                <a16:creationId xmlns:a16="http://schemas.microsoft.com/office/drawing/2014/main" id="{B821C225-5C4D-4168-90AF-3D263D72CBA2}"/>
+              </a:ext>
+              <a:ext uri="{C183D7F6-B498-43B3-948B-1728B52AA6E4}">
+                <adec:decorative xmlns:adec="http://schemas.microsoft.com/office/drawing/2017/decorative" val="1"/>
+              </a:ext>
+            </a:extLst>
+          </p:cNvPr>
+          <p:cNvCxnSpPr>
+            <a:cxnSpLocks noGrp="1" noRot="1" noChangeAspect="1" noMove="1" noResize="1" noEditPoints="1" noAdjustHandles="1" noChangeArrowheads="1" noChangeShapeType="1"/>
+          </p:cNvCxnSpPr>
+          <p:nvPr>
+            <p:extLst>
+              <p:ext uri="{386F3935-93C4-4BCD-93E2-E3B085C9AB24}">
+                <p16:designElem xmlns:p16="http://schemas.microsoft.com/office/powerpoint/2015/main" val="1"/>
+              </p:ext>
+            </p:extLst>
+          </p:nvPr>
+        </p:nvCxnSpPr>
+        <p:spPr>
+          <a:xfrm flipV="1">
+            <a:off x="762000" y="826324"/>
+            <a:ext cx="0" cy="914400"/>
+          </a:xfrm>
+          <a:prstGeom prst="line">
+            <a:avLst/>
+          </a:prstGeom>
+          <a:ln w="19050">
+            <a:solidFill>
+              <a:schemeClr val="accent1"/>
+            </a:solidFill>
+          </a:ln>
+        </p:spPr>
+        <p:style>
+          <a:lnRef idx="1">
+            <a:schemeClr val="accent1"/>
+          </a:lnRef>
+          <a:fillRef idx="0">
+            <a:schemeClr val="accent1"/>
+          </a:fillRef>
+          <a:effectRef idx="0">
+            <a:schemeClr val="accent1"/>
+          </a:effectRef>
+          <a:fontRef idx="minor">
+            <a:schemeClr val="tx1"/>
+          </a:fontRef>
+        </p:style>
+      </p:cxnSp>
+      <p:sp useBgFill="1">
+        <p:nvSpPr>
+          <p:cNvPr id="11" name="Rectangle 10">
+            <a:extLst>
+              <a:ext uri="{FF2B5EF4-FFF2-40B4-BE49-F238E27FC236}">
+                <a16:creationId xmlns:a16="http://schemas.microsoft.com/office/drawing/2014/main" id="{39E4C68A-A4A9-48A4-9FF2-D2896B1EA01F}"/>
+              </a:ext>
+              <a:ext uri="{C183D7F6-B498-43B3-948B-1728B52AA6E4}">
+                <adec:decorative xmlns:adec="http://schemas.microsoft.com/office/drawing/2017/decorative" val="1"/>
+              </a:ext>
+            </a:extLst>
+          </p:cNvPr>
+          <p:cNvSpPr>
+            <a:spLocks noGrp="1" noRot="1" noChangeAspect="1" noMove="1" noResize="1" noEditPoints="1" noAdjustHandles="1" noChangeArrowheads="1" noChangeShapeType="1" noTextEdit="1"/>
+          </p:cNvSpPr>
+          <p:nvPr>
+            <p:extLst>
+              <p:ext uri="{386F3935-93C4-4BCD-93E2-E3B085C9AB24}">
+                <p16:designElem xmlns:p16="http://schemas.microsoft.com/office/powerpoint/2015/main" val="1"/>
+              </p:ext>
+            </p:extLst>
+          </p:nvPr>
+        </p:nvSpPr>
+        <p:spPr>
+          <a:xfrm>
+            <a:off x="0" y="0"/>
+            <a:ext cx="12192000" cy="6858000"/>
+          </a:xfrm>
+          <a:prstGeom prst="rect">
+            <a:avLst/>
+          </a:prstGeom>
+          <a:ln>
+            <a:noFill/>
+          </a:ln>
+        </p:spPr>
+        <p:style>
+          <a:lnRef idx="2">
+            <a:schemeClr val="accent1">
+              <a:shade val="50000"/>
+            </a:schemeClr>
+          </a:lnRef>
+          <a:fillRef idx="1">
+            <a:schemeClr val="accent1"/>
+          </a:fillRef>
+          <a:effectRef idx="0">
+            <a:schemeClr val="accent1"/>
+          </a:effectRef>
+          <a:fontRef idx="minor">
+            <a:schemeClr val="lt1"/>
+          </a:fontRef>
+        </p:style>
+        <p:txBody>
+          <a:bodyPr rtlCol="0" anchor="ctr"/>
+          <a:lstStyle/>
+          <a:p>
+            <a:pPr algn="ctr"/>
+            <a:endParaRPr lang="en-US"/>
+          </a:p>
+        </p:txBody>
+      </p:sp>
+      <p:sp>
+        <p:nvSpPr>
+          <p:cNvPr id="13" name="Rectangle 12">
+            <a:extLst>
+              <a:ext uri="{FF2B5EF4-FFF2-40B4-BE49-F238E27FC236}">
+                <a16:creationId xmlns:a16="http://schemas.microsoft.com/office/drawing/2014/main" id="{E2B9AEA5-52CB-49A6-AF8A-33502F291B91}"/>
+              </a:ext>
+              <a:ext uri="{C183D7F6-B498-43B3-948B-1728B52AA6E4}">
+                <adec:decorative xmlns:adec="http://schemas.microsoft.com/office/drawing/2017/decorative" val="1"/>
+              </a:ext>
+            </a:extLst>
+          </p:cNvPr>
+          <p:cNvSpPr>
+            <a:spLocks noGrp="1" noRot="1" noChangeAspect="1" noMove="1" noResize="1" noEditPoints="1" noAdjustHandles="1" noChangeArrowheads="1" noChangeShapeType="1" noTextEdit="1"/>
+          </p:cNvSpPr>
+          <p:nvPr>
+            <p:extLst>
+              <p:ext uri="{386F3935-93C4-4BCD-93E2-E3B085C9AB24}">
+                <p16:designElem xmlns:p16="http://schemas.microsoft.com/office/powerpoint/2015/main" val="1"/>
+              </p:ext>
+            </p:extLst>
+          </p:nvPr>
+        </p:nvSpPr>
+        <p:spPr>
+          <a:xfrm>
+            <a:off x="0" y="0"/>
+            <a:ext cx="4654296" cy="6858000"/>
+          </a:xfrm>
+          <a:prstGeom prst="rect">
+            <a:avLst/>
+          </a:prstGeom>
+          <a:ln>
+            <a:noFill/>
+          </a:ln>
+        </p:spPr>
+        <p:style>
+          <a:lnRef idx="2">
+            <a:schemeClr val="accent1">
+              <a:shade val="50000"/>
+            </a:schemeClr>
+          </a:lnRef>
+          <a:fillRef idx="1">
+            <a:schemeClr val="accent1"/>
+          </a:fillRef>
+          <a:effectRef idx="0">
+            <a:schemeClr val="accent1"/>
+          </a:effectRef>
+          <a:fontRef idx="minor">
+            <a:schemeClr val="lt1"/>
+          </a:fontRef>
+        </p:style>
+        <p:txBody>
+          <a:bodyPr rtlCol="0" anchor="ctr"/>
+          <a:lstStyle/>
+          <a:p>
+            <a:pPr algn="ctr"/>
+            <a:endParaRPr lang="en-US"/>
+          </a:p>
+        </p:txBody>
+      </p:sp>
       <p:sp>
         <p:nvSpPr>
           <p:cNvPr id="2" name="Titre 1">
@@ -25480,13 +25744,24 @@
             <p:ph type="title"/>
           </p:nvPr>
         </p:nvSpPr>
-        <p:spPr/>
+        <p:spPr>
+          <a:xfrm>
+            <a:off x="964788" y="804333"/>
+            <a:ext cx="3391900" cy="5249334"/>
+          </a:xfrm>
+        </p:spPr>
         <p:txBody>
-          <a:bodyPr/>
+          <a:bodyPr vert="horz" lIns="91440" tIns="45720" rIns="91440" bIns="45720" rtlCol="0" anchor="ctr">
+            <a:normAutofit/>
+          </a:bodyPr>
           <a:lstStyle/>
           <a:p>
             <a:r>
-              <a:rPr lang="fr-FR" dirty="0"/>
+              <a:rPr lang="en-US" spc="100">
+                <a:solidFill>
+                  <a:srgbClr val="FFFFFF"/>
+                </a:solidFill>
+              </a:rPr>
               <a:t>Table of contents</a:t>
             </a:r>
           </a:p>
@@ -25494,7 +25769,7 @@
       </p:sp>
       <p:sp>
         <p:nvSpPr>
-          <p:cNvPr id="3" name="Espace réservé du contenu 2">
+          <p:cNvPr id="20" name="Espace réservé du contenu 2">
             <a:extLst>
               <a:ext uri="{FF2B5EF4-FFF2-40B4-BE49-F238E27FC236}">
                 <a16:creationId xmlns:a16="http://schemas.microsoft.com/office/drawing/2014/main" id="{12E8CEB7-2ED5-42F0-B56C-13B75C7C84A2}"/>
@@ -25505,94 +25780,126 @@
             <a:spLocks noGrp="1"/>
           </p:cNvSpPr>
           <p:nvPr>
-            <p:ph idx="1"/>
+            <p:ph type="body" sz="half" idx="2"/>
           </p:nvPr>
         </p:nvSpPr>
-        <p:spPr/>
+        <p:spPr>
+          <a:xfrm>
+            <a:off x="4951048" y="804333"/>
+            <a:ext cx="6306003" cy="5249334"/>
+          </a:xfrm>
+        </p:spPr>
         <p:txBody>
-          <a:bodyPr anchor="ctr">
+          <a:bodyPr vert="horz" lIns="45720" tIns="45720" rIns="45720" bIns="45720" rtlCol="0" anchor="ctr">
             <a:normAutofit/>
           </a:bodyPr>
           <a:lstStyle/>
           <a:p>
             <a:pPr marL="0" indent="0">
+              <a:lnSpc>
+                <a:spcPct val="90000"/>
+              </a:lnSpc>
               <a:buNone/>
             </a:pPr>
             <a:r>
-              <a:rPr lang="fr-FR" sz="3600" dirty="0"/>
-              <a:t>1. </a:t>
+              <a:rPr lang="en-US" sz="3200" dirty="0">
+                <a:solidFill>
+                  <a:schemeClr val="tx1"/>
+                </a:solidFill>
+              </a:rPr>
+              <a:t>1. Problem definition</a:t>
             </a:r>
-            <a:r>
-              <a:rPr lang="fr-FR" sz="3600" dirty="0" err="1"/>
-              <a:t>Problem</a:t>
-            </a:r>
-            <a:r>
-              <a:rPr lang="fr-FR" sz="3600" dirty="0"/>
-              <a:t> </a:t>
-            </a:r>
-            <a:r>
-              <a:rPr lang="fr-FR" sz="3600" dirty="0" err="1"/>
-              <a:t>definition</a:t>
-            </a:r>
-            <a:endParaRPr lang="fr-FR" sz="3600" dirty="0"/>
           </a:p>
           <a:p>
             <a:pPr marL="0" indent="0">
+              <a:lnSpc>
+                <a:spcPct val="90000"/>
+              </a:lnSpc>
               <a:buNone/>
             </a:pPr>
             <a:r>
-              <a:rPr lang="fr-FR" sz="3600" dirty="0"/>
-              <a:t>2. Data </a:t>
+              <a:rPr lang="en-US" sz="3200" dirty="0">
+                <a:solidFill>
+                  <a:schemeClr val="tx1"/>
+                </a:solidFill>
+              </a:rPr>
+              <a:t>2. Data cleaning</a:t>
             </a:r>
-            <a:r>
-              <a:rPr lang="fr-FR" sz="3600" dirty="0" err="1"/>
-              <a:t>cleaning</a:t>
-            </a:r>
-            <a:endParaRPr lang="fr-FR" sz="3600" dirty="0"/>
           </a:p>
           <a:p>
             <a:pPr marL="0" indent="0">
+              <a:lnSpc>
+                <a:spcPct val="90000"/>
+              </a:lnSpc>
               <a:buNone/>
             </a:pPr>
             <a:r>
-              <a:rPr lang="fr-FR" sz="3600" dirty="0"/>
+              <a:rPr lang="en-US" sz="3200" dirty="0">
+                <a:solidFill>
+                  <a:schemeClr val="tx1"/>
+                </a:solidFill>
+              </a:rPr>
               <a:t>3. Data manipulation</a:t>
             </a:r>
           </a:p>
           <a:p>
             <a:pPr marL="0" indent="0">
+              <a:lnSpc>
+                <a:spcPct val="90000"/>
+              </a:lnSpc>
               <a:buNone/>
             </a:pPr>
             <a:r>
-              <a:rPr lang="fr-FR" sz="3600" dirty="0"/>
+              <a:rPr lang="en-US" sz="3200" dirty="0">
+                <a:solidFill>
+                  <a:schemeClr val="tx1"/>
+                </a:solidFill>
+              </a:rPr>
               <a:t>4. Data </a:t>
             </a:r>
             <a:r>
-              <a:rPr lang="fr-FR" sz="3600" dirty="0" err="1"/>
+              <a:rPr lang="en-US" sz="3200" dirty="0" err="1">
+                <a:solidFill>
+                  <a:schemeClr val="tx1"/>
+                </a:solidFill>
+              </a:rPr>
               <a:t>vizualisation</a:t>
             </a:r>
-            <a:endParaRPr lang="fr-FR" sz="3600" dirty="0"/>
+            <a:endParaRPr lang="en-US" sz="3200" dirty="0">
+              <a:solidFill>
+                <a:schemeClr val="tx1"/>
+              </a:solidFill>
+            </a:endParaRPr>
           </a:p>
           <a:p>
             <a:pPr marL="0" indent="0">
+              <a:lnSpc>
+                <a:spcPct val="90000"/>
+              </a:lnSpc>
               <a:buNone/>
             </a:pPr>
             <a:r>
-              <a:rPr lang="fr-FR" sz="3600" dirty="0"/>
-              <a:t>5. Obstacles &amp; </a:t>
+              <a:rPr lang="en-US" sz="3200" dirty="0">
+                <a:solidFill>
+                  <a:schemeClr val="tx1"/>
+                </a:solidFill>
+              </a:rPr>
+              <a:t>5. Obstacles &amp; Lessons</a:t>
             </a:r>
-            <a:r>
-              <a:rPr lang="fr-FR" sz="3600" dirty="0" err="1"/>
-              <a:t>Lessons</a:t>
-            </a:r>
-            <a:endParaRPr lang="fr-FR" sz="3600" dirty="0"/>
           </a:p>
           <a:p>
             <a:pPr marL="457200" indent="-457200">
+              <a:lnSpc>
+                <a:spcPct val="90000"/>
+              </a:lnSpc>
               <a:buFont typeface="+mj-lt"/>
               <a:buAutoNum type="arabicPeriod"/>
             </a:pPr>
-            <a:endParaRPr lang="fr-FR" sz="3600" dirty="0"/>
+            <a:endParaRPr lang="en-US" sz="3200" dirty="0">
+              <a:solidFill>
+                <a:schemeClr val="tx1"/>
+              </a:solidFill>
+            </a:endParaRPr>
           </a:p>
         </p:txBody>
       </p:sp>
@@ -25925,7 +26232,7 @@
             <p:ph idx="1"/>
             <p:extLst>
               <p:ext uri="{D42A27DB-BD31-4B8C-83A1-F6EECF244321}">
-                <p14:modId xmlns:p14="http://schemas.microsoft.com/office/powerpoint/2010/main" val="828363389"/>
+                <p14:modId xmlns:p14="http://schemas.microsoft.com/office/powerpoint/2010/main" val="1309853923"/>
               </p:ext>
             </p:extLst>
           </p:nvPr>
@@ -25956,6 +26263,14 @@
 <file path=ppt/slides/slide5.xml><?xml version="1.0" encoding="utf-8"?>
 <p:sld xmlns:a="http://schemas.openxmlformats.org/drawingml/2006/main" xmlns:r="http://schemas.openxmlformats.org/officeDocument/2006/relationships" xmlns:p="http://schemas.openxmlformats.org/presentationml/2006/main">
   <p:cSld>
+    <p:bg>
+      <p:bgPr>
+        <a:solidFill>
+          <a:schemeClr val="bg1"/>
+        </a:solidFill>
+        <a:effectLst/>
+      </p:bgPr>
+    </p:bg>
     <p:spTree>
       <p:nvGrpSpPr>
         <p:cNvPr id="1" name=""/>
@@ -25993,7 +26308,9 @@
           </a:xfrm>
         </p:spPr>
         <p:txBody>
-          <a:bodyPr/>
+          <a:bodyPr>
+            <a:normAutofit/>
+          </a:bodyPr>
           <a:lstStyle/>
           <a:p>
             <a:r>
@@ -26003,6 +26320,36 @@
           </a:p>
         </p:txBody>
       </p:sp>
+      <p:pic>
+        <p:nvPicPr>
+          <p:cNvPr id="4" name="Image 3">
+            <a:extLst>
+              <a:ext uri="{FF2B5EF4-FFF2-40B4-BE49-F238E27FC236}">
+                <a16:creationId xmlns:a16="http://schemas.microsoft.com/office/drawing/2014/main" id="{E9D447A1-54BE-4006-B583-7A0FDADC2EA5}"/>
+              </a:ext>
+            </a:extLst>
+          </p:cNvPr>
+          <p:cNvPicPr>
+            <a:picLocks noChangeAspect="1"/>
+          </p:cNvPicPr>
+          <p:nvPr/>
+        </p:nvPicPr>
+        <p:blipFill>
+          <a:blip r:embed="rId2"/>
+          <a:stretch>
+            <a:fillRect/>
+          </a:stretch>
+        </p:blipFill>
+        <p:spPr>
+          <a:xfrm>
+            <a:off x="1146304" y="2386051"/>
+            <a:ext cx="3371251" cy="3448851"/>
+          </a:xfrm>
+          <a:prstGeom prst="rect">
+            <a:avLst/>
+          </a:prstGeom>
+        </p:spPr>
+      </p:pic>
       <p:sp>
         <p:nvSpPr>
           <p:cNvPr id="3" name="Espace réservé du contenu 2">
@@ -26021,12 +26368,14 @@
         </p:nvSpPr>
         <p:spPr>
           <a:xfrm>
-            <a:off x="1024128" y="2296160"/>
-            <a:ext cx="9720073" cy="4023360"/>
+            <a:off x="5063613" y="2286000"/>
+            <a:ext cx="5680587" cy="4023360"/>
           </a:xfrm>
         </p:spPr>
         <p:txBody>
-          <a:bodyPr anchor="t"/>
+          <a:bodyPr>
+            <a:normAutofit/>
+          </a:bodyPr>
           <a:lstStyle/>
           <a:p>
             <a:pPr marL="0" indent="0">
@@ -26086,36 +26435,6 @@
           </a:p>
         </p:txBody>
       </p:sp>
-      <p:pic>
-        <p:nvPicPr>
-          <p:cNvPr id="4" name="Image 3">
-            <a:extLst>
-              <a:ext uri="{FF2B5EF4-FFF2-40B4-BE49-F238E27FC236}">
-                <a16:creationId xmlns:a16="http://schemas.microsoft.com/office/drawing/2014/main" id="{E9D447A1-54BE-4006-B583-7A0FDADC2EA5}"/>
-              </a:ext>
-            </a:extLst>
-          </p:cNvPr>
-          <p:cNvPicPr>
-            <a:picLocks noChangeAspect="1"/>
-          </p:cNvPicPr>
-          <p:nvPr/>
-        </p:nvPicPr>
-        <p:blipFill>
-          <a:blip r:embed="rId2"/>
-          <a:stretch>
-            <a:fillRect/>
-          </a:stretch>
-        </p:blipFill>
-        <p:spPr>
-          <a:xfrm>
-            <a:off x="7985760" y="1694228"/>
-            <a:ext cx="3634165" cy="3713383"/>
-          </a:xfrm>
-          <a:prstGeom prst="rect">
-            <a:avLst/>
-          </a:prstGeom>
-        </p:spPr>
-      </p:pic>
     </p:spTree>
     <p:extLst>
       <p:ext uri="{BB962C8B-B14F-4D97-AF65-F5344CB8AC3E}">
@@ -26587,27 +26906,11 @@
           <a:lstStyle/>
           <a:p>
             <a:r>
-              <a:rPr lang="fr-FR" dirty="0"/>
-              <a:t>Data </a:t>
-            </a:r>
-            <a:r>
-              <a:rPr lang="fr-FR" dirty="0" err="1"/>
-              <a:t>vizualisation</a:t>
-            </a:r>
-            <a:r>
-              <a:rPr lang="fr-FR" dirty="0"/>
-              <a:t> &amp; </a:t>
-            </a:r>
-            <a:r>
-              <a:rPr lang="fr-FR" dirty="0" err="1"/>
-              <a:t>Results</a:t>
-            </a:r>
-            <a:r>
-              <a:rPr lang="fr-FR" dirty="0"/>
-              <a:t> (4/4)</a:t>
+              <a:rPr lang="fr-FR"/>
+              <a:t>Data vizualisation &amp; Results (4/4)</a:t>
             </a:r>
             <a:br>
-              <a:rPr lang="fr-FR" dirty="0"/>
+              <a:rPr lang="fr-FR"/>
             </a:br>
             <a:endParaRPr lang="fr-FR" dirty="0"/>
           </a:p>
@@ -26634,7 +26937,7 @@
         </p:blipFill>
         <p:spPr>
           <a:xfrm>
-            <a:off x="4186788" y="2230293"/>
+            <a:off x="186288" y="2103882"/>
             <a:ext cx="4006310" cy="3168000"/>
           </a:xfrm>
           <a:prstGeom prst="rect">
@@ -26663,7 +26966,7 @@
         </p:blipFill>
         <p:spPr>
           <a:xfrm>
-            <a:off x="8270925" y="2230293"/>
+            <a:off x="4270425" y="2103882"/>
             <a:ext cx="3921075" cy="3168000"/>
           </a:xfrm>
           <a:prstGeom prst="rect">
@@ -26673,10 +26976,10 @@
       </p:pic>
       <p:pic>
         <p:nvPicPr>
-          <p:cNvPr id="17" name="Image 16">
+          <p:cNvPr id="6" name="Image 5">
             <a:extLst>
               <a:ext uri="{FF2B5EF4-FFF2-40B4-BE49-F238E27FC236}">
-                <a16:creationId xmlns:a16="http://schemas.microsoft.com/office/drawing/2014/main" id="{ECC6E2E0-1931-4D27-A898-1F1AAD375A81}"/>
+                <a16:creationId xmlns:a16="http://schemas.microsoft.com/office/drawing/2014/main" id="{4B795C05-DADB-407E-91FB-547881AE68FC}"/>
               </a:ext>
             </a:extLst>
           </p:cNvPr>
@@ -26692,7 +26995,7 @@
         </p:blipFill>
         <p:spPr>
           <a:xfrm>
-            <a:off x="180479" y="2230293"/>
+            <a:off x="8191500" y="2103882"/>
             <a:ext cx="4006309" cy="3168000"/>
           </a:xfrm>
           <a:prstGeom prst="rect">
